--- a/2025_М_ПІ_ІПЗздм-23-1_Паршикова_Л_В/2025_М_ПІ_ІПЗздм-23-1_Паршикова_Л_В.pptx
+++ b/2025_М_ПІ_ІПЗздм-23-1_Паршикова_Л_В/2025_М_ПІ_ІПЗздм-23-1_Паршикова_Л_В.pptx
@@ -5,7 +5,7 @@
     <p:sldMasterId id="2147483659" r:id="rId1"/>
   </p:sldMasterIdLst>
   <p:notesMasterIdLst>
-    <p:notesMasterId r:id="rId20"/>
+    <p:notesMasterId r:id="rId21"/>
   </p:notesMasterIdLst>
   <p:sldIdLst>
     <p:sldId id="256" r:id="rId2"/>
@@ -14,35 +14,36 @@
     <p:sldId id="258" r:id="rId5"/>
     <p:sldId id="259" r:id="rId6"/>
     <p:sldId id="260" r:id="rId7"/>
-    <p:sldId id="261" r:id="rId8"/>
-    <p:sldId id="262" r:id="rId9"/>
-    <p:sldId id="268" r:id="rId10"/>
-    <p:sldId id="263" r:id="rId11"/>
-    <p:sldId id="264" r:id="rId12"/>
-    <p:sldId id="271" r:id="rId13"/>
-    <p:sldId id="272" r:id="rId14"/>
-    <p:sldId id="265" r:id="rId15"/>
-    <p:sldId id="266" r:id="rId16"/>
-    <p:sldId id="267" r:id="rId17"/>
-    <p:sldId id="273" r:id="rId18"/>
-    <p:sldId id="274" r:id="rId19"/>
+    <p:sldId id="268" r:id="rId8"/>
+    <p:sldId id="263" r:id="rId9"/>
+    <p:sldId id="262" r:id="rId10"/>
+    <p:sldId id="261" r:id="rId11"/>
+    <p:sldId id="271" r:id="rId12"/>
+    <p:sldId id="275" r:id="rId13"/>
+    <p:sldId id="264" r:id="rId14"/>
+    <p:sldId id="272" r:id="rId15"/>
+    <p:sldId id="265" r:id="rId16"/>
+    <p:sldId id="266" r:id="rId17"/>
+    <p:sldId id="267" r:id="rId18"/>
+    <p:sldId id="273" r:id="rId19"/>
+    <p:sldId id="274" r:id="rId20"/>
   </p:sldIdLst>
   <p:sldSz cx="9144000" cy="5143500" type="screen16x9"/>
   <p:notesSz cx="6858000" cy="9144000"/>
   <p:embeddedFontLst>
     <p:embeddedFont>
       <p:font typeface="Economica" panose="020B0604020202020204" charset="0"/>
-      <p:regular r:id="rId21"/>
-      <p:bold r:id="rId22"/>
-      <p:italic r:id="rId23"/>
-      <p:boldItalic r:id="rId24"/>
+      <p:regular r:id="rId22"/>
+      <p:bold r:id="rId23"/>
+      <p:italic r:id="rId24"/>
+      <p:boldItalic r:id="rId25"/>
     </p:embeddedFont>
     <p:embeddedFont>
       <p:font typeface="Open Sans" panose="020B0606030504020204" pitchFamily="34" charset="0"/>
-      <p:regular r:id="rId25"/>
-      <p:bold r:id="rId26"/>
-      <p:italic r:id="rId27"/>
-      <p:boldItalic r:id="rId28"/>
+      <p:regular r:id="rId26"/>
+      <p:bold r:id="rId27"/>
+      <p:italic r:id="rId28"/>
+      <p:boldItalic r:id="rId29"/>
     </p:embeddedFont>
   </p:embeddedFontLst>
   <p:defaultTextStyle>
@@ -1802,7 +1803,7 @@
   <p:cSld>
     <p:spTree>
       <p:nvGrpSpPr>
-        <p:cNvPr id="1" name="Shape 95"/>
+        <p:cNvPr id="1" name="Shape 109"/>
         <p:cNvGrpSpPr/>
         <p:nvPr/>
       </p:nvGrpSpPr>
@@ -1816,7 +1817,7 @@
       </p:grpSpPr>
       <p:sp>
         <p:nvSpPr>
-          <p:cNvPr id="96" name="Google Shape;96;g2e16b2adad1_0_18:notes"/>
+          <p:cNvPr id="110" name="Google Shape;110;g2e16b2adad1_0_30:notes"/>
           <p:cNvSpPr>
             <a:spLocks noGrp="1" noRot="1" noChangeAspect="1"/>
           </p:cNvSpPr>
@@ -1857,7 +1858,7 @@
       </p:sp>
       <p:sp>
         <p:nvSpPr>
-          <p:cNvPr id="97" name="Google Shape;97;g2e16b2adad1_0_18:notes"/>
+          <p:cNvPr id="111" name="Google Shape;111;g2e16b2adad1_0_30:notes"/>
           <p:cNvSpPr txBox="1">
             <a:spLocks noGrp="1"/>
           </p:cNvSpPr>
@@ -1889,7 +1890,7 @@
               </a:spcAft>
               <a:buNone/>
             </a:pPr>
-            <a:endParaRPr dirty="0"/>
+            <a:endParaRPr/>
           </a:p>
         </p:txBody>
       </p:sp>
@@ -2010,7 +2011,7 @@
   <p:cSld>
     <p:spTree>
       <p:nvGrpSpPr>
-        <p:cNvPr id="1" name="Shape 109"/>
+        <p:cNvPr id="1" name="Shape 95"/>
         <p:cNvGrpSpPr/>
         <p:nvPr/>
       </p:nvGrpSpPr>
@@ -2024,7 +2025,7 @@
       </p:grpSpPr>
       <p:sp>
         <p:nvSpPr>
-          <p:cNvPr id="110" name="Google Shape;110;g2e16b2adad1_0_30:notes"/>
+          <p:cNvPr id="96" name="Google Shape;96;g2e16b2adad1_0_18:notes"/>
           <p:cNvSpPr>
             <a:spLocks noGrp="1" noRot="1" noChangeAspect="1"/>
           </p:cNvSpPr>
@@ -2065,7 +2066,7 @@
       </p:sp>
       <p:sp>
         <p:nvSpPr>
-          <p:cNvPr id="111" name="Google Shape;111;g2e16b2adad1_0_30:notes"/>
+          <p:cNvPr id="97" name="Google Shape;97;g2e16b2adad1_0_18:notes"/>
           <p:cNvSpPr txBox="1">
             <a:spLocks noGrp="1"/>
           </p:cNvSpPr>
@@ -2097,7 +2098,7 @@
               </a:spcAft>
               <a:buNone/>
             </a:pPr>
-            <a:endParaRPr/>
+            <a:endParaRPr dirty="0"/>
           </a:p>
         </p:txBody>
       </p:sp>
@@ -7774,7 +7775,7 @@
   <p:cSld>
     <p:spTree>
       <p:nvGrpSpPr>
-        <p:cNvPr id="1" name="Shape 112"/>
+        <p:cNvPr id="1" name="Shape 98"/>
         <p:cNvGrpSpPr/>
         <p:nvPr/>
       </p:nvGrpSpPr>
@@ -7788,7 +7789,7 @@
       </p:grpSpPr>
       <p:sp>
         <p:nvSpPr>
-          <p:cNvPr id="113" name="Google Shape;113;p20"/>
+          <p:cNvPr id="99" name="Google Shape;99;p18"/>
           <p:cNvSpPr txBox="1">
             <a:spLocks noGrp="1"/>
           </p:cNvSpPr>
@@ -7798,7 +7799,7 @@
         </p:nvSpPr>
         <p:spPr>
           <a:xfrm>
-            <a:off x="311700" y="-92038"/>
+            <a:off x="462615" y="229374"/>
             <a:ext cx="8520600" cy="831300"/>
           </a:xfrm>
           <a:prstGeom prst="rect">
@@ -7807,7 +7808,7 @@
         </p:spPr>
         <p:txBody>
           <a:bodyPr spcFirstLastPara="1" wrap="square" lIns="91425" tIns="91425" rIns="91425" bIns="91425" anchor="b" anchorCtr="0">
-            <a:normAutofit/>
+            <a:noAutofit/>
           </a:bodyPr>
           <a:lstStyle/>
           <a:p>
@@ -7822,88 +7823,15 @@
             </a:pPr>
             <a:r>
               <a:rPr lang="uk" sz="3200" dirty="0"/>
-              <a:t>Зміст проведеного експерименту</a:t>
+              <a:t>Архітектурна система для проведення експериментального дослідження</a:t>
             </a:r>
             <a:endParaRPr sz="3200" dirty="0"/>
-          </a:p>
-        </p:txBody>
-      </p:sp>
-      <p:sp>
-        <p:nvSpPr>
-          <p:cNvPr id="114" name="Google Shape;114;p20"/>
-          <p:cNvSpPr txBox="1">
-            <a:spLocks noGrp="1"/>
-          </p:cNvSpPr>
-          <p:nvPr>
-            <p:ph type="body" idx="1"/>
-          </p:nvPr>
-        </p:nvSpPr>
-        <p:spPr>
-          <a:xfrm>
-            <a:off x="283725" y="891397"/>
-            <a:ext cx="8520600" cy="2860546"/>
-          </a:xfrm>
-          <a:prstGeom prst="rect">
-            <a:avLst/>
-          </a:prstGeom>
-        </p:spPr>
-        <p:txBody>
-          <a:bodyPr spcFirstLastPara="1" wrap="square" lIns="91425" tIns="91425" rIns="91425" bIns="91425" anchor="t" anchorCtr="0">
-            <a:normAutofit/>
-          </a:bodyPr>
-          <a:lstStyle/>
-          <a:p>
-            <a:pPr>
-              <a:lnSpc>
-                <a:spcPct val="200000"/>
-              </a:lnSpc>
-            </a:pPr>
-            <a:r>
-              <a:rPr lang="uk-UA" noProof="1"/>
-              <a:t>Розроблено прототип на основі VoxNet.</a:t>
-            </a:r>
-          </a:p>
-          <a:p>
-            <a:pPr>
-              <a:lnSpc>
-                <a:spcPct val="200000"/>
-              </a:lnSpc>
-            </a:pPr>
-            <a:r>
-              <a:rPr lang="uk-UA" noProof="1"/>
-              <a:t>Проведено навчання на датасеті ShapeNet.</a:t>
-            </a:r>
-          </a:p>
-          <a:p>
-            <a:pPr>
-              <a:lnSpc>
-                <a:spcPct val="200000"/>
-              </a:lnSpc>
-            </a:pPr>
-            <a:r>
-              <a:rPr lang="uk-UA" noProof="1"/>
-              <a:t>Здійснено оцінку якості за метриками IoU та Chamfer Distance.</a:t>
-            </a:r>
-          </a:p>
-          <a:p>
-            <a:pPr>
-              <a:lnSpc>
-                <a:spcPct val="200000"/>
-              </a:lnSpc>
-            </a:pPr>
-            <a:r>
-              <a:rPr lang="uk-UA" noProof="1"/>
-              <a:t>Візуалізовано реконструкції моделей.</a:t>
-            </a:r>
-            <a:endParaRPr lang="uk-UA" noProof="1">
-              <a:latin typeface="Economica" panose="020B0604020202020204" charset="0"/>
-            </a:endParaRPr>
           </a:p>
         </p:txBody>
       </p:sp>
       <p:pic>
         <p:nvPicPr>
-          <p:cNvPr id="115" name="Google Shape;115;p20"/>
+          <p:cNvPr id="101" name="Google Shape;101;p18"/>
           <p:cNvPicPr preferRelativeResize="0"/>
           <p:nvPr/>
         </p:nvPicPr>
@@ -7934,7 +7862,7 @@
           <p:cNvPr id="2" name="TextBox 1">
             <a:extLst>
               <a:ext uri="{FF2B5EF4-FFF2-40B4-BE49-F238E27FC236}">
-                <a16:creationId xmlns:a16="http://schemas.microsoft.com/office/drawing/2014/main" id="{E8624834-013E-7249-F488-C816A0DA9355}"/>
+                <a16:creationId xmlns:a16="http://schemas.microsoft.com/office/drawing/2014/main" id="{12A55726-B906-08A2-C43F-1B00FCF5F354}"/>
               </a:ext>
             </a:extLst>
           </p:cNvPr>
@@ -7943,7 +7871,7 @@
         </p:nvSpPr>
         <p:spPr>
           <a:xfrm>
-            <a:off x="8778240" y="4606349"/>
+            <a:off x="8800011" y="4657148"/>
             <a:ext cx="284052" cy="307777"/>
           </a:xfrm>
           <a:prstGeom prst="rect">
@@ -7965,145 +7893,12 @@
           </a:p>
         </p:txBody>
       </p:sp>
-    </p:spTree>
-  </p:cSld>
-  <p:clrMapOvr>
-    <a:masterClrMapping/>
-  </p:clrMapOvr>
-</p:sld>
-</file>
-
-<file path=ppt/slides/slide11.xml><?xml version="1.0" encoding="utf-8"?>
-<p:sld xmlns:a="http://schemas.openxmlformats.org/drawingml/2006/main" xmlns:r="http://schemas.openxmlformats.org/officeDocument/2006/relationships" xmlns:p="http://schemas.openxmlformats.org/presentationml/2006/main">
-  <p:cSld>
-    <p:spTree>
-      <p:nvGrpSpPr>
-        <p:cNvPr id="1" name="Shape 119"/>
-        <p:cNvGrpSpPr/>
-        <p:nvPr/>
-      </p:nvGrpSpPr>
-      <p:grpSpPr>
-        <a:xfrm>
-          <a:off x="0" y="0"/>
-          <a:ext cx="0" cy="0"/>
-          <a:chOff x="0" y="0"/>
-          <a:chExt cx="0" cy="0"/>
-        </a:xfrm>
-      </p:grpSpPr>
-      <p:sp>
-        <p:nvSpPr>
-          <p:cNvPr id="120" name="Google Shape;120;p21"/>
-          <p:cNvSpPr txBox="1">
-            <a:spLocks noGrp="1"/>
-          </p:cNvSpPr>
-          <p:nvPr>
-            <p:ph type="title"/>
-          </p:nvPr>
-        </p:nvSpPr>
-        <p:spPr>
-          <a:xfrm>
-            <a:off x="399666" y="941426"/>
-            <a:ext cx="8520600" cy="369364"/>
-          </a:xfrm>
-          <a:prstGeom prst="rect">
-            <a:avLst/>
-          </a:prstGeom>
-        </p:spPr>
-        <p:txBody>
-          <a:bodyPr spcFirstLastPara="1" wrap="square" lIns="91425" tIns="91425" rIns="91425" bIns="91425" anchor="b" anchorCtr="0">
-            <a:normAutofit fontScale="90000"/>
-          </a:bodyPr>
-          <a:lstStyle/>
-          <a:p>
-            <a:pPr lvl="0"/>
-            <a:r>
-              <a:rPr lang="uk-UA" sz="3200" noProof="1"/>
-              <a:t>Результати експерименту </a:t>
-            </a:r>
-            <a:br>
-              <a:rPr lang="uk-UA" sz="3200" noProof="1"/>
-            </a:br>
-            <a:r>
-              <a:rPr lang="uk-UA" sz="3200" noProof="1"/>
-              <a:t> </a:t>
-            </a:r>
-            <a:r>
-              <a:rPr lang="uk-UA" sz="2000" noProof="1"/>
-              <a:t>Оцінка якості за метриками IoU та Chamfer Distance</a:t>
-            </a:r>
-          </a:p>
-        </p:txBody>
-      </p:sp>
       <p:pic>
         <p:nvPicPr>
-          <p:cNvPr id="122" name="Google Shape;122;p21"/>
-          <p:cNvPicPr preferRelativeResize="0"/>
-          <p:nvPr/>
-        </p:nvPicPr>
-        <p:blipFill>
-          <a:blip r:embed="rId3">
-            <a:alphaModFix/>
-          </a:blip>
-          <a:stretch>
-            <a:fillRect/>
-          </a:stretch>
-        </p:blipFill>
-        <p:spPr>
-          <a:xfrm>
-            <a:off x="268925" y="4359500"/>
-            <a:ext cx="862250" cy="581750"/>
-          </a:xfrm>
-          <a:prstGeom prst="rect">
-            <a:avLst/>
-          </a:prstGeom>
-          <a:noFill/>
-          <a:ln>
-            <a:noFill/>
-          </a:ln>
-        </p:spPr>
-      </p:pic>
-      <p:sp>
-        <p:nvSpPr>
-          <p:cNvPr id="2" name="TextBox 1">
+          <p:cNvPr id="3" name="Рисунок 2">
             <a:extLst>
               <a:ext uri="{FF2B5EF4-FFF2-40B4-BE49-F238E27FC236}">
-                <a16:creationId xmlns:a16="http://schemas.microsoft.com/office/drawing/2014/main" id="{68800C66-AABB-EFA8-12F4-0C56A1243712}"/>
-              </a:ext>
-            </a:extLst>
-          </p:cNvPr>
-          <p:cNvSpPr txBox="1"/>
-          <p:nvPr/>
-        </p:nvSpPr>
-        <p:spPr>
-          <a:xfrm>
-            <a:off x="8778240" y="4606349"/>
-            <a:ext cx="284052" cy="307777"/>
-          </a:xfrm>
-          <a:prstGeom prst="rect">
-            <a:avLst/>
-          </a:prstGeom>
-          <a:noFill/>
-        </p:spPr>
-        <p:txBody>
-          <a:bodyPr wrap="none" rtlCol="0">
-            <a:spAutoFit/>
-          </a:bodyPr>
-          <a:lstStyle/>
-          <a:p>
-            <a:fld id="{A35EEF41-5B9E-4186-8855-3C8162DCC2D6}" type="slidenum">
-              <a:rPr lang="uk-UA" smtClean="0"/>
-              <a:t>11</a:t>
-            </a:fld>
-            <a:endParaRPr lang="uk-UA" dirty="0"/>
-          </a:p>
-        </p:txBody>
-      </p:sp>
-      <p:pic>
-        <p:nvPicPr>
-          <p:cNvPr id="5" name="Рисунок 4">
-            <a:extLst>
-              <a:ext uri="{FF2B5EF4-FFF2-40B4-BE49-F238E27FC236}">
-                <a16:creationId xmlns:a16="http://schemas.microsoft.com/office/drawing/2014/main" id="{F55A363A-BC97-3759-C8DE-09BE3BCC8AF2}"/>
+                <a16:creationId xmlns:a16="http://schemas.microsoft.com/office/drawing/2014/main" id="{6354EB57-7AE9-7807-842A-9F1CC22C2A27}"/>
               </a:ext>
             </a:extLst>
           </p:cNvPr>
@@ -8113,7 +7908,7 @@
           <p:nvPr/>
         </p:nvPicPr>
         <p:blipFill>
-          <a:blip r:embed="rId4" cstate="print">
+          <a:blip r:embed="rId4">
             <a:extLst>
               <a:ext uri="{28A0092B-C50C-407E-A947-70E740481C1C}">
                 <a14:useLocalDpi xmlns:a14="http://schemas.microsoft.com/office/drawing/2010/main" val="0"/>
@@ -8127,8 +7922,8 @@
         </p:blipFill>
         <p:spPr bwMode="auto">
           <a:xfrm>
-            <a:off x="378372" y="1310790"/>
-            <a:ext cx="3720662" cy="3048710"/>
+            <a:off x="1387366" y="983515"/>
+            <a:ext cx="6023363" cy="2827788"/>
           </a:xfrm>
           <a:prstGeom prst="rect">
             <a:avLst/>
@@ -8139,47 +7934,132 @@
           </a:ln>
         </p:spPr>
       </p:pic>
-      <p:pic>
-        <p:nvPicPr>
-          <p:cNvPr id="6" name="Рисунок 5">
+      <p:sp>
+        <p:nvSpPr>
+          <p:cNvPr id="7" name="TextBox 6">
             <a:extLst>
               <a:ext uri="{FF2B5EF4-FFF2-40B4-BE49-F238E27FC236}">
-                <a16:creationId xmlns:a16="http://schemas.microsoft.com/office/drawing/2014/main" id="{D12FF568-1254-121E-56BC-B8F9420EE17B}"/>
+                <a16:creationId xmlns:a16="http://schemas.microsoft.com/office/drawing/2014/main" id="{3C2D5EA4-2796-0C4B-9E9B-4820F8A3932C}"/>
               </a:ext>
             </a:extLst>
           </p:cNvPr>
-          <p:cNvPicPr>
-            <a:picLocks noChangeAspect="1"/>
-          </p:cNvPicPr>
+          <p:cNvSpPr txBox="1"/>
           <p:nvPr/>
-        </p:nvPicPr>
-        <p:blipFill>
-          <a:blip r:embed="rId5" cstate="print">
-            <a:extLst>
-              <a:ext uri="{28A0092B-C50C-407E-A947-70E740481C1C}">
-                <a14:useLocalDpi xmlns:a14="http://schemas.microsoft.com/office/drawing/2010/main" val="0"/>
-              </a:ext>
-            </a:extLst>
-          </a:blip>
-          <a:srcRect/>
-          <a:stretch>
-            <a:fillRect/>
-          </a:stretch>
-        </p:blipFill>
-        <p:spPr bwMode="auto">
-          <a:xfrm>
-            <a:off x="4725152" y="1310790"/>
-            <a:ext cx="3895440" cy="3048710"/>
+        </p:nvSpPr>
+        <p:spPr>
+          <a:xfrm>
+            <a:off x="1057947" y="3446969"/>
+            <a:ext cx="7925268" cy="1426031"/>
           </a:xfrm>
           <a:prstGeom prst="rect">
             <a:avLst/>
           </a:prstGeom>
           <a:noFill/>
-          <a:ln>
-            <a:noFill/>
-          </a:ln>
-        </p:spPr>
-      </p:pic>
+        </p:spPr>
+        <p:txBody>
+          <a:bodyPr wrap="square">
+            <a:spAutoFit/>
+          </a:bodyPr>
+          <a:lstStyle/>
+          <a:p>
+            <a:pPr indent="450215" algn="just">
+              <a:spcAft>
+                <a:spcPts val="1000"/>
+              </a:spcAft>
+              <a:buNone/>
+            </a:pPr>
+            <a:r>
+              <a:rPr lang="uk-UA" sz="1400" noProof="1">
+                <a:effectLst/>
+                <a:latin typeface="Open Sans" panose="020B0606030504020204" pitchFamily="34" charset="0"/>
+                <a:ea typeface="Open Sans" panose="020B0606030504020204" pitchFamily="34" charset="0"/>
+                <a:cs typeface="Open Sans" panose="020B0606030504020204" pitchFamily="34" charset="0"/>
+              </a:rPr>
+              <a:t>Модель складається з двох основних блоків:</a:t>
+            </a:r>
+            <a:endParaRPr lang="uk-UA" sz="1100" noProof="1">
+              <a:effectLst/>
+              <a:latin typeface="Open Sans" panose="020B0606030504020204" pitchFamily="34" charset="0"/>
+              <a:ea typeface="Open Sans" panose="020B0606030504020204" pitchFamily="34" charset="0"/>
+              <a:cs typeface="Open Sans" panose="020B0606030504020204" pitchFamily="34" charset="0"/>
+            </a:endParaRPr>
+          </a:p>
+          <a:p>
+            <a:pPr marL="342900" lvl="0" indent="-342900" algn="just">
+              <a:spcAft>
+                <a:spcPts val="1000"/>
+              </a:spcAft>
+              <a:buSzPts val="1000"/>
+              <a:buFont typeface="Symbol" panose="05050102010706020507" pitchFamily="18" charset="2"/>
+              <a:buChar char=""/>
+              <a:tabLst>
+                <a:tab pos="457200" algn="l"/>
+              </a:tabLst>
+            </a:pPr>
+            <a:r>
+              <a:rPr lang="uk-UA" sz="1400" b="1" noProof="1">
+                <a:effectLst/>
+                <a:latin typeface="Open Sans" panose="020B0606030504020204" pitchFamily="34" charset="0"/>
+                <a:ea typeface="Open Sans" panose="020B0606030504020204" pitchFamily="34" charset="0"/>
+                <a:cs typeface="Open Sans" panose="020B0606030504020204" pitchFamily="34" charset="0"/>
+              </a:rPr>
+              <a:t>Encoder (енкодер):</a:t>
+            </a:r>
+            <a:r>
+              <a:rPr lang="uk-UA" sz="1400" noProof="1">
+                <a:effectLst/>
+                <a:latin typeface="Open Sans" panose="020B0606030504020204" pitchFamily="34" charset="0"/>
+                <a:ea typeface="Open Sans" panose="020B0606030504020204" pitchFamily="34" charset="0"/>
+                <a:cs typeface="Open Sans" panose="020B0606030504020204" pitchFamily="34" charset="0"/>
+              </a:rPr>
+              <a:t> згорткова нейронна мережа, яка обробляє 2D зображення і перетворює його у латентне представлення.</a:t>
+            </a:r>
+            <a:endParaRPr lang="uk-UA" sz="1100" noProof="1">
+              <a:effectLst/>
+              <a:latin typeface="Open Sans" panose="020B0606030504020204" pitchFamily="34" charset="0"/>
+              <a:ea typeface="Open Sans" panose="020B0606030504020204" pitchFamily="34" charset="0"/>
+              <a:cs typeface="Open Sans" panose="020B0606030504020204" pitchFamily="34" charset="0"/>
+            </a:endParaRPr>
+          </a:p>
+          <a:p>
+            <a:pPr marL="342900" lvl="0" indent="-342900" algn="just">
+              <a:spcAft>
+                <a:spcPts val="1000"/>
+              </a:spcAft>
+              <a:buSzPts val="1000"/>
+              <a:buFont typeface="Symbol" panose="05050102010706020507" pitchFamily="18" charset="2"/>
+              <a:buChar char=""/>
+              <a:tabLst>
+                <a:tab pos="457200" algn="l"/>
+              </a:tabLst>
+            </a:pPr>
+            <a:r>
+              <a:rPr lang="uk-UA" sz="1400" b="1" noProof="1">
+                <a:effectLst/>
+                <a:latin typeface="Open Sans" panose="020B0606030504020204" pitchFamily="34" charset="0"/>
+                <a:ea typeface="Open Sans" panose="020B0606030504020204" pitchFamily="34" charset="0"/>
+                <a:cs typeface="Open Sans" panose="020B0606030504020204" pitchFamily="34" charset="0"/>
+              </a:rPr>
+              <a:t>Decoder (декодер):</a:t>
+            </a:r>
+            <a:r>
+              <a:rPr lang="uk-UA" sz="1400" noProof="1">
+                <a:effectLst/>
+                <a:latin typeface="Open Sans" panose="020B0606030504020204" pitchFamily="34" charset="0"/>
+                <a:ea typeface="Open Sans" panose="020B0606030504020204" pitchFamily="34" charset="0"/>
+                <a:cs typeface="Open Sans" panose="020B0606030504020204" pitchFamily="34" charset="0"/>
+              </a:rPr>
+              <a:t> мережа, яка перетворює латентний вектор у воксельну 3D модель.</a:t>
+            </a:r>
+            <a:endParaRPr lang="uk-UA" sz="1100" noProof="1">
+              <a:effectLst/>
+              <a:latin typeface="Open Sans" panose="020B0606030504020204" pitchFamily="34" charset="0"/>
+              <a:ea typeface="Open Sans" panose="020B0606030504020204" pitchFamily="34" charset="0"/>
+              <a:cs typeface="Open Sans" panose="020B0606030504020204" pitchFamily="34" charset="0"/>
+            </a:endParaRPr>
+          </a:p>
+        </p:txBody>
+      </p:sp>
     </p:spTree>
   </p:cSld>
   <p:clrMapOvr>
@@ -8188,7 +8068,7 @@
 </p:sld>
 </file>
 
-<file path=ppt/slides/slide12.xml><?xml version="1.0" encoding="utf-8"?>
+<file path=ppt/slides/slide11.xml><?xml version="1.0" encoding="utf-8"?>
 <p:sld xmlns:a="http://schemas.openxmlformats.org/drawingml/2006/main" xmlns:r="http://schemas.openxmlformats.org/officeDocument/2006/relationships" xmlns:p="http://schemas.openxmlformats.org/presentationml/2006/main">
   <p:cSld>
     <p:spTree>
@@ -8313,7 +8193,7 @@
           <a:p>
             <a:fld id="{A35EEF41-5B9E-4186-8855-3C8162DCC2D6}" type="slidenum">
               <a:rPr lang="uk-UA" smtClean="0"/>
-              <a:t>12</a:t>
+              <a:t>11</a:t>
             </a:fld>
             <a:endParaRPr lang="uk-UA" dirty="0"/>
           </a:p>
@@ -8332,7 +8212,552 @@
 </p:sld>
 </file>
 
+<file path=ppt/slides/slide12.xml><?xml version="1.0" encoding="utf-8"?>
+<p:sld xmlns:a="http://schemas.openxmlformats.org/drawingml/2006/main" xmlns:r="http://schemas.openxmlformats.org/officeDocument/2006/relationships" xmlns:p="http://schemas.openxmlformats.org/presentationml/2006/main">
+  <p:cSld>
+    <p:spTree>
+      <p:nvGrpSpPr>
+        <p:cNvPr id="1" name=""/>
+        <p:cNvGrpSpPr/>
+        <p:nvPr/>
+      </p:nvGrpSpPr>
+      <p:grpSpPr>
+        <a:xfrm>
+          <a:off x="0" y="0"/>
+          <a:ext cx="0" cy="0"/>
+          <a:chOff x="0" y="0"/>
+          <a:chExt cx="0" cy="0"/>
+        </a:xfrm>
+      </p:grpSpPr>
+      <p:sp>
+        <p:nvSpPr>
+          <p:cNvPr id="2" name="Заголовок 1">
+            <a:extLst>
+              <a:ext uri="{FF2B5EF4-FFF2-40B4-BE49-F238E27FC236}">
+                <a16:creationId xmlns:a16="http://schemas.microsoft.com/office/drawing/2014/main" id="{4BAB1EB6-CD4B-5275-38DA-44CAC91FC6FF}"/>
+              </a:ext>
+            </a:extLst>
+          </p:cNvPr>
+          <p:cNvSpPr>
+            <a:spLocks noGrp="1"/>
+          </p:cNvSpPr>
+          <p:nvPr>
+            <p:ph type="ctrTitle"/>
+          </p:nvPr>
+        </p:nvSpPr>
+        <p:spPr/>
+        <p:txBody>
+          <a:bodyPr/>
+          <a:lstStyle/>
+          <a:p>
+            <a:r>
+              <a:rPr lang="ru-RU" dirty="0"/>
+              <a:t>видео</a:t>
+            </a:r>
+            <a:endParaRPr lang="LID4096" dirty="0"/>
+          </a:p>
+        </p:txBody>
+      </p:sp>
+    </p:spTree>
+    <p:extLst>
+      <p:ext uri="{BB962C8B-B14F-4D97-AF65-F5344CB8AC3E}">
+        <p14:creationId xmlns:p14="http://schemas.microsoft.com/office/powerpoint/2010/main" val="2292391001"/>
+      </p:ext>
+    </p:extLst>
+  </p:cSld>
+  <p:clrMapOvr>
+    <a:masterClrMapping/>
+  </p:clrMapOvr>
+</p:sld>
+</file>
+
 <file path=ppt/slides/slide13.xml><?xml version="1.0" encoding="utf-8"?>
+<p:sld xmlns:a="http://schemas.openxmlformats.org/drawingml/2006/main" xmlns:r="http://schemas.openxmlformats.org/officeDocument/2006/relationships" xmlns:p="http://schemas.openxmlformats.org/presentationml/2006/main">
+  <p:cSld>
+    <p:spTree>
+      <p:nvGrpSpPr>
+        <p:cNvPr id="1" name="Shape 119"/>
+        <p:cNvGrpSpPr/>
+        <p:nvPr/>
+      </p:nvGrpSpPr>
+      <p:grpSpPr>
+        <a:xfrm>
+          <a:off x="0" y="0"/>
+          <a:ext cx="0" cy="0"/>
+          <a:chOff x="0" y="0"/>
+          <a:chExt cx="0" cy="0"/>
+        </a:xfrm>
+      </p:grpSpPr>
+      <p:sp>
+        <p:nvSpPr>
+          <p:cNvPr id="120" name="Google Shape;120;p21"/>
+          <p:cNvSpPr txBox="1">
+            <a:spLocks noGrp="1"/>
+          </p:cNvSpPr>
+          <p:nvPr>
+            <p:ph type="title"/>
+          </p:nvPr>
+        </p:nvSpPr>
+        <p:spPr>
+          <a:xfrm>
+            <a:off x="399666" y="941426"/>
+            <a:ext cx="8520600" cy="369364"/>
+          </a:xfrm>
+          <a:prstGeom prst="rect">
+            <a:avLst/>
+          </a:prstGeom>
+        </p:spPr>
+        <p:txBody>
+          <a:bodyPr spcFirstLastPara="1" wrap="square" lIns="91425" tIns="91425" rIns="91425" bIns="91425" anchor="b" anchorCtr="0">
+            <a:normAutofit fontScale="90000"/>
+          </a:bodyPr>
+          <a:lstStyle/>
+          <a:p>
+            <a:pPr lvl="0"/>
+            <a:r>
+              <a:rPr lang="uk-UA" sz="3200" noProof="1"/>
+              <a:t>Результати експерименту </a:t>
+            </a:r>
+            <a:br>
+              <a:rPr lang="uk-UA" sz="3200" noProof="1"/>
+            </a:br>
+            <a:r>
+              <a:rPr lang="uk-UA" sz="3200" noProof="1"/>
+              <a:t> </a:t>
+            </a:r>
+            <a:r>
+              <a:rPr lang="uk-UA" sz="2000" noProof="1"/>
+              <a:t>Оцінка якості за метриками IoU та Chamfer Distance</a:t>
+            </a:r>
+          </a:p>
+        </p:txBody>
+      </p:sp>
+      <p:pic>
+        <p:nvPicPr>
+          <p:cNvPr id="122" name="Google Shape;122;p21"/>
+          <p:cNvPicPr preferRelativeResize="0"/>
+          <p:nvPr/>
+        </p:nvPicPr>
+        <p:blipFill>
+          <a:blip r:embed="rId3">
+            <a:alphaModFix/>
+          </a:blip>
+          <a:stretch>
+            <a:fillRect/>
+          </a:stretch>
+        </p:blipFill>
+        <p:spPr>
+          <a:xfrm>
+            <a:off x="268925" y="4359500"/>
+            <a:ext cx="862250" cy="581750"/>
+          </a:xfrm>
+          <a:prstGeom prst="rect">
+            <a:avLst/>
+          </a:prstGeom>
+          <a:noFill/>
+          <a:ln>
+            <a:noFill/>
+          </a:ln>
+        </p:spPr>
+      </p:pic>
+      <p:sp>
+        <p:nvSpPr>
+          <p:cNvPr id="2" name="TextBox 1">
+            <a:extLst>
+              <a:ext uri="{FF2B5EF4-FFF2-40B4-BE49-F238E27FC236}">
+                <a16:creationId xmlns:a16="http://schemas.microsoft.com/office/drawing/2014/main" id="{68800C66-AABB-EFA8-12F4-0C56A1243712}"/>
+              </a:ext>
+            </a:extLst>
+          </p:cNvPr>
+          <p:cNvSpPr txBox="1"/>
+          <p:nvPr/>
+        </p:nvSpPr>
+        <p:spPr>
+          <a:xfrm>
+            <a:off x="8778240" y="4606349"/>
+            <a:ext cx="284052" cy="307777"/>
+          </a:xfrm>
+          <a:prstGeom prst="rect">
+            <a:avLst/>
+          </a:prstGeom>
+          <a:noFill/>
+        </p:spPr>
+        <p:txBody>
+          <a:bodyPr wrap="none" rtlCol="0">
+            <a:spAutoFit/>
+          </a:bodyPr>
+          <a:lstStyle/>
+          <a:p>
+            <a:fld id="{A35EEF41-5B9E-4186-8855-3C8162DCC2D6}" type="slidenum">
+              <a:rPr lang="uk-UA" smtClean="0"/>
+              <a:t>13</a:t>
+            </a:fld>
+            <a:endParaRPr lang="uk-UA" dirty="0"/>
+          </a:p>
+        </p:txBody>
+      </p:sp>
+      <p:pic>
+        <p:nvPicPr>
+          <p:cNvPr id="5" name="Рисунок 4">
+            <a:extLst>
+              <a:ext uri="{FF2B5EF4-FFF2-40B4-BE49-F238E27FC236}">
+                <a16:creationId xmlns:a16="http://schemas.microsoft.com/office/drawing/2014/main" id="{F55A363A-BC97-3759-C8DE-09BE3BCC8AF2}"/>
+              </a:ext>
+            </a:extLst>
+          </p:cNvPr>
+          <p:cNvPicPr>
+            <a:picLocks noChangeAspect="1"/>
+          </p:cNvPicPr>
+          <p:nvPr/>
+        </p:nvPicPr>
+        <p:blipFill>
+          <a:blip r:embed="rId4" cstate="print">
+            <a:extLst>
+              <a:ext uri="{28A0092B-C50C-407E-A947-70E740481C1C}">
+                <a14:useLocalDpi xmlns:a14="http://schemas.microsoft.com/office/drawing/2010/main" val="0"/>
+              </a:ext>
+            </a:extLst>
+          </a:blip>
+          <a:srcRect/>
+          <a:stretch>
+            <a:fillRect/>
+          </a:stretch>
+        </p:blipFill>
+        <p:spPr bwMode="auto">
+          <a:xfrm>
+            <a:off x="378372" y="1310790"/>
+            <a:ext cx="3720662" cy="3048710"/>
+          </a:xfrm>
+          <a:prstGeom prst="rect">
+            <a:avLst/>
+          </a:prstGeom>
+          <a:noFill/>
+          <a:ln>
+            <a:noFill/>
+          </a:ln>
+        </p:spPr>
+      </p:pic>
+      <p:pic>
+        <p:nvPicPr>
+          <p:cNvPr id="6" name="Рисунок 5">
+            <a:extLst>
+              <a:ext uri="{FF2B5EF4-FFF2-40B4-BE49-F238E27FC236}">
+                <a16:creationId xmlns:a16="http://schemas.microsoft.com/office/drawing/2014/main" id="{D12FF568-1254-121E-56BC-B8F9420EE17B}"/>
+              </a:ext>
+            </a:extLst>
+          </p:cNvPr>
+          <p:cNvPicPr>
+            <a:picLocks noChangeAspect="1"/>
+          </p:cNvPicPr>
+          <p:nvPr/>
+        </p:nvPicPr>
+        <p:blipFill>
+          <a:blip r:embed="rId5" cstate="print">
+            <a:extLst>
+              <a:ext uri="{28A0092B-C50C-407E-A947-70E740481C1C}">
+                <a14:useLocalDpi xmlns:a14="http://schemas.microsoft.com/office/drawing/2010/main" val="0"/>
+              </a:ext>
+            </a:extLst>
+          </a:blip>
+          <a:srcRect/>
+          <a:stretch>
+            <a:fillRect/>
+          </a:stretch>
+        </p:blipFill>
+        <p:spPr bwMode="auto">
+          <a:xfrm>
+            <a:off x="4725152" y="1310790"/>
+            <a:ext cx="3895440" cy="3048710"/>
+          </a:xfrm>
+          <a:prstGeom prst="rect">
+            <a:avLst/>
+          </a:prstGeom>
+          <a:noFill/>
+          <a:ln>
+            <a:noFill/>
+          </a:ln>
+        </p:spPr>
+      </p:pic>
+      <p:pic>
+        <p:nvPicPr>
+          <p:cNvPr id="4" name="Рисунок 3">
+            <a:extLst>
+              <a:ext uri="{FF2B5EF4-FFF2-40B4-BE49-F238E27FC236}">
+                <a16:creationId xmlns:a16="http://schemas.microsoft.com/office/drawing/2014/main" id="{7E52B6E4-230D-4249-E1A2-9E3753113825}"/>
+              </a:ext>
+            </a:extLst>
+          </p:cNvPr>
+          <p:cNvPicPr>
+            <a:picLocks noChangeAspect="1"/>
+          </p:cNvPicPr>
+          <p:nvPr/>
+        </p:nvPicPr>
+        <p:blipFill>
+          <a:blip r:embed="rId6"/>
+          <a:stretch>
+            <a:fillRect/>
+          </a:stretch>
+        </p:blipFill>
+        <p:spPr>
+          <a:xfrm>
+            <a:off x="1432971" y="4156572"/>
+            <a:ext cx="2346811" cy="483842"/>
+          </a:xfrm>
+          <a:prstGeom prst="rect">
+            <a:avLst/>
+          </a:prstGeom>
+        </p:spPr>
+      </p:pic>
+      <p:pic>
+        <p:nvPicPr>
+          <p:cNvPr id="8" name="Рисунок 7">
+            <a:extLst>
+              <a:ext uri="{FF2B5EF4-FFF2-40B4-BE49-F238E27FC236}">
+                <a16:creationId xmlns:a16="http://schemas.microsoft.com/office/drawing/2014/main" id="{A8A76985-C5EE-3061-B839-22D2AEE8F65F}"/>
+              </a:ext>
+            </a:extLst>
+          </p:cNvPr>
+          <p:cNvPicPr>
+            <a:picLocks noChangeAspect="1"/>
+          </p:cNvPicPr>
+          <p:nvPr/>
+        </p:nvPicPr>
+        <p:blipFill>
+          <a:blip r:embed="rId7"/>
+          <a:stretch>
+            <a:fillRect/>
+          </a:stretch>
+        </p:blipFill>
+        <p:spPr>
+          <a:xfrm>
+            <a:off x="5828739" y="4156572"/>
+            <a:ext cx="2315279" cy="449777"/>
+          </a:xfrm>
+          <a:prstGeom prst="rect">
+            <a:avLst/>
+          </a:prstGeom>
+        </p:spPr>
+      </p:pic>
+      <p:sp>
+        <p:nvSpPr>
+          <p:cNvPr id="10" name="TextBox 9">
+            <a:extLst>
+              <a:ext uri="{FF2B5EF4-FFF2-40B4-BE49-F238E27FC236}">
+                <a16:creationId xmlns:a16="http://schemas.microsoft.com/office/drawing/2014/main" id="{9A6BA9B8-8DD7-66AB-427A-76D118621E8C}"/>
+              </a:ext>
+            </a:extLst>
+          </p:cNvPr>
+          <p:cNvSpPr txBox="1"/>
+          <p:nvPr/>
+        </p:nvSpPr>
+        <p:spPr>
+          <a:xfrm>
+            <a:off x="1329934" y="4652516"/>
+            <a:ext cx="2985313" cy="523220"/>
+          </a:xfrm>
+          <a:prstGeom prst="rect">
+            <a:avLst/>
+          </a:prstGeom>
+          <a:noFill/>
+        </p:spPr>
+        <p:txBody>
+          <a:bodyPr wrap="square">
+            <a:spAutoFit/>
+          </a:bodyPr>
+          <a:lstStyle/>
+          <a:p>
+            <a:pPr>
+              <a:buFont typeface="Arial" panose="020B0604020202020204" pitchFamily="34" charset="0"/>
+              <a:buChar char="•"/>
+            </a:pPr>
+            <a:r>
+              <a:rPr lang="ru-RU" dirty="0"/>
+              <a:t>1.0 — </a:t>
+            </a:r>
+            <a:r>
+              <a:rPr lang="ru-RU" dirty="0" err="1"/>
+              <a:t>ідеальне</a:t>
+            </a:r>
+            <a:r>
+              <a:rPr lang="ru-RU" dirty="0"/>
+              <a:t> </a:t>
+            </a:r>
+            <a:r>
+              <a:rPr lang="ru-RU" dirty="0" err="1"/>
+              <a:t>співпадіння</a:t>
+            </a:r>
+            <a:endParaRPr lang="ru-RU" dirty="0"/>
+          </a:p>
+          <a:p>
+            <a:pPr>
+              <a:buFont typeface="Arial" panose="020B0604020202020204" pitchFamily="34" charset="0"/>
+              <a:buChar char="•"/>
+            </a:pPr>
+            <a:r>
+              <a:rPr lang="ru-RU" dirty="0"/>
+              <a:t>0 — </a:t>
+            </a:r>
+            <a:r>
+              <a:rPr lang="ru-RU" dirty="0" err="1"/>
+              <a:t>повна</a:t>
+            </a:r>
+            <a:r>
+              <a:rPr lang="ru-RU" dirty="0"/>
+              <a:t> </a:t>
+            </a:r>
+            <a:r>
+              <a:rPr lang="ru-RU" dirty="0" err="1"/>
+              <a:t>відсутність</a:t>
+            </a:r>
+            <a:r>
+              <a:rPr lang="ru-RU" dirty="0"/>
+              <a:t> </a:t>
+            </a:r>
+            <a:r>
+              <a:rPr lang="ru-RU" dirty="0" err="1"/>
+              <a:t>перетину</a:t>
+            </a:r>
+            <a:endParaRPr lang="ru-RU" dirty="0"/>
+          </a:p>
+        </p:txBody>
+      </p:sp>
+      <p:sp>
+        <p:nvSpPr>
+          <p:cNvPr id="12" name="Rectangle 2">
+            <a:extLst>
+              <a:ext uri="{FF2B5EF4-FFF2-40B4-BE49-F238E27FC236}">
+                <a16:creationId xmlns:a16="http://schemas.microsoft.com/office/drawing/2014/main" id="{9DD7ADB4-7F9B-B58D-4A63-190B1CBAA49C}"/>
+              </a:ext>
+            </a:extLst>
+          </p:cNvPr>
+          <p:cNvSpPr>
+            <a:spLocks noChangeArrowheads="1"/>
+          </p:cNvSpPr>
+          <p:nvPr/>
+        </p:nvSpPr>
+        <p:spPr bwMode="auto">
+          <a:xfrm>
+            <a:off x="5184603" y="4590960"/>
+            <a:ext cx="3690472" cy="523220"/>
+          </a:xfrm>
+          <a:prstGeom prst="rect">
+            <a:avLst/>
+          </a:prstGeom>
+          <a:noFill/>
+          <a:ln>
+            <a:noFill/>
+          </a:ln>
+          <a:effectLst/>
+          <a:extLst>
+            <a:ext uri="{909E8E84-426E-40DD-AFC4-6F175D3DCCD1}">
+              <a14:hiddenFill xmlns:a14="http://schemas.microsoft.com/office/drawing/2010/main">
+                <a:solidFill>
+                  <a:schemeClr val="accent1"/>
+                </a:solidFill>
+              </a14:hiddenFill>
+            </a:ext>
+            <a:ext uri="{91240B29-F687-4F45-9708-019B960494DF}">
+              <a14:hiddenLine xmlns:a14="http://schemas.microsoft.com/office/drawing/2010/main" w="9525">
+                <a:solidFill>
+                  <a:schemeClr val="tx1"/>
+                </a:solidFill>
+                <a:miter lim="800000"/>
+                <a:headEnd/>
+                <a:tailEnd/>
+              </a14:hiddenLine>
+            </a:ext>
+            <a:ext uri="{AF507438-7753-43E0-B8FC-AC1667EBCBE1}">
+              <a14:hiddenEffects xmlns:a14="http://schemas.microsoft.com/office/drawing/2010/main">
+                <a:effectLst>
+                  <a:outerShdw dist="35921" dir="2700000" algn="ctr" rotWithShape="0">
+                    <a:schemeClr val="bg2"/>
+                  </a:outerShdw>
+                </a:effectLst>
+              </a14:hiddenEffects>
+            </a:ext>
+          </a:extLst>
+        </p:spPr>
+        <p:txBody>
+          <a:bodyPr vert="horz" wrap="square" lIns="91440" tIns="45720" rIns="91440" bIns="45720" numCol="1" anchor="ctr" anchorCtr="0" compatLnSpc="1">
+            <a:prstTxWarp prst="textNoShape">
+              <a:avLst/>
+            </a:prstTxWarp>
+            <a:spAutoFit/>
+          </a:bodyPr>
+          <a:lstStyle/>
+          <a:p>
+            <a:pPr marL="0" marR="0" lvl="0" indent="0" algn="l" defTabSz="914400" rtl="0" eaLnBrk="0" fontAlgn="base" latinLnBrk="0" hangingPunct="0">
+              <a:lnSpc>
+                <a:spcPct val="100000"/>
+              </a:lnSpc>
+              <a:spcBef>
+                <a:spcPct val="0"/>
+              </a:spcBef>
+              <a:spcAft>
+                <a:spcPct val="0"/>
+              </a:spcAft>
+              <a:buClrTx/>
+              <a:buSzTx/>
+              <a:buFontTx/>
+              <a:buChar char="•"/>
+              <a:tabLst/>
+            </a:pPr>
+            <a:r>
+              <a:rPr kumimoji="0" lang="LID4096" altLang="LID4096" b="0" i="0" u="none" strike="noStrike" cap="none" normalizeH="0" baseline="0" dirty="0">
+                <a:ln>
+                  <a:noFill/>
+                </a:ln>
+                <a:solidFill>
+                  <a:schemeClr val="tx1"/>
+                </a:solidFill>
+                <a:effectLst/>
+                <a:latin typeface="Arial" panose="020B0604020202020204" pitchFamily="34" charset="0"/>
+              </a:rPr>
+              <a:t>0 — ідеальне співпадіння</a:t>
+            </a:r>
+          </a:p>
+          <a:p>
+            <a:pPr marL="0" marR="0" lvl="0" indent="0" algn="l" defTabSz="914400" rtl="0" eaLnBrk="0" fontAlgn="base" latinLnBrk="0" hangingPunct="0">
+              <a:lnSpc>
+                <a:spcPct val="100000"/>
+              </a:lnSpc>
+              <a:spcBef>
+                <a:spcPct val="0"/>
+              </a:spcBef>
+              <a:spcAft>
+                <a:spcPct val="0"/>
+              </a:spcAft>
+              <a:buClrTx/>
+              <a:buSzTx/>
+              <a:buFontTx/>
+              <a:buChar char="•"/>
+              <a:tabLst/>
+            </a:pPr>
+            <a:r>
+              <a:rPr kumimoji="0" lang="LID4096" altLang="LID4096" b="0" i="0" u="none" strike="noStrike" cap="none" normalizeH="0" baseline="0" dirty="0">
+                <a:ln>
+                  <a:noFill/>
+                </a:ln>
+                <a:solidFill>
+                  <a:schemeClr val="tx1"/>
+                </a:solidFill>
+                <a:effectLst/>
+                <a:latin typeface="Arial" panose="020B0604020202020204" pitchFamily="34" charset="0"/>
+              </a:rPr>
+              <a:t>Чим більше — тим гірше наближення</a:t>
+            </a:r>
+          </a:p>
+        </p:txBody>
+      </p:sp>
+    </p:spTree>
+  </p:cSld>
+  <p:clrMapOvr>
+    <a:masterClrMapping/>
+  </p:clrMapOvr>
+</p:sld>
+</file>
+
+<file path=ppt/slides/slide14.xml><?xml version="1.0" encoding="utf-8"?>
 <p:sld xmlns:a="http://schemas.openxmlformats.org/drawingml/2006/main" xmlns:r="http://schemas.openxmlformats.org/officeDocument/2006/relationships" xmlns:p="http://schemas.openxmlformats.org/presentationml/2006/main">
   <p:cSld>
     <p:spTree>
@@ -9121,7 +9546,7 @@
           <a:p>
             <a:fld id="{A35EEF41-5B9E-4186-8855-3C8162DCC2D6}" type="slidenum">
               <a:rPr lang="uk-UA" smtClean="0"/>
-              <a:t>13</a:t>
+              <a:t>14</a:t>
             </a:fld>
             <a:endParaRPr lang="uk-UA" dirty="0"/>
           </a:p>
@@ -9140,7 +9565,7 @@
 </p:sld>
 </file>
 
-<file path=ppt/slides/slide14.xml><?xml version="1.0" encoding="utf-8"?>
+<file path=ppt/slides/slide15.xml><?xml version="1.0" encoding="utf-8"?>
 <p:sld xmlns:a="http://schemas.openxmlformats.org/drawingml/2006/main" xmlns:r="http://schemas.openxmlformats.org/officeDocument/2006/relationships" xmlns:p="http://schemas.openxmlformats.org/presentationml/2006/main">
   <p:cSld>
     <p:spTree>
@@ -9388,7 +9813,7 @@
           <a:p>
             <a:fld id="{A35EEF41-5B9E-4186-8855-3C8162DCC2D6}" type="slidenum">
               <a:rPr lang="uk-UA" smtClean="0"/>
-              <a:t>14</a:t>
+              <a:t>15</a:t>
             </a:fld>
             <a:endParaRPr lang="uk-UA" dirty="0"/>
           </a:p>
@@ -9402,7 +9827,7 @@
 </p:sld>
 </file>
 
-<file path=ppt/slides/slide15.xml><?xml version="1.0" encoding="utf-8"?>
+<file path=ppt/slides/slide16.xml><?xml version="1.0" encoding="utf-8"?>
 <p:sld xmlns:a="http://schemas.openxmlformats.org/drawingml/2006/main" xmlns:r="http://schemas.openxmlformats.org/officeDocument/2006/relationships" xmlns:p="http://schemas.openxmlformats.org/presentationml/2006/main">
   <p:cSld>
     <p:spTree>
@@ -9519,7 +9944,7 @@
           <a:p>
             <a:fld id="{A35EEF41-5B9E-4186-8855-3C8162DCC2D6}" type="slidenum">
               <a:rPr lang="uk-UA" smtClean="0"/>
-              <a:t>15</a:t>
+              <a:t>16</a:t>
             </a:fld>
             <a:endParaRPr lang="uk-UA" dirty="0"/>
           </a:p>
@@ -9563,7 +9988,7 @@
 </p:sld>
 </file>
 
-<file path=ppt/slides/slide16.xml><?xml version="1.0" encoding="utf-8"?>
+<file path=ppt/slides/slide17.xml><?xml version="1.0" encoding="utf-8"?>
 <p:sld xmlns:a="http://schemas.openxmlformats.org/drawingml/2006/main" xmlns:r="http://schemas.openxmlformats.org/officeDocument/2006/relationships" xmlns:p="http://schemas.openxmlformats.org/presentationml/2006/main">
   <p:cSld>
     <p:spTree>
@@ -9739,7 +10164,7 @@
           <a:p>
             <a:fld id="{A35EEF41-5B9E-4186-8855-3C8162DCC2D6}" type="slidenum">
               <a:rPr lang="uk-UA" smtClean="0"/>
-              <a:t>16</a:t>
+              <a:t>17</a:t>
             </a:fld>
             <a:endParaRPr lang="uk-UA" dirty="0"/>
           </a:p>
@@ -9753,7 +10178,7 @@
 </p:sld>
 </file>
 
-<file path=ppt/slides/slide17.xml><?xml version="1.0" encoding="utf-8"?>
+<file path=ppt/slides/slide18.xml><?xml version="1.0" encoding="utf-8"?>
 <p:sld xmlns:a="http://schemas.openxmlformats.org/drawingml/2006/main" xmlns:r="http://schemas.openxmlformats.org/officeDocument/2006/relationships" xmlns:p="http://schemas.openxmlformats.org/presentationml/2006/main">
   <p:cSld>
     <p:spTree>
@@ -9835,7 +10260,7 @@
             <a:fld id="{A35EEF41-5B9E-4186-8855-3C8162DCC2D6}" type="slidenum">
               <a:rPr lang="uk-UA" smtClean="0"/>
               <a:pPr/>
-              <a:t>17</a:t>
+              <a:t>18</a:t>
             </a:fld>
             <a:endParaRPr lang="LID4096" dirty="0"/>
           </a:p>
@@ -9940,7 +10365,7 @@
 </p:sld>
 </file>
 
-<file path=ppt/slides/slide18.xml><?xml version="1.0" encoding="utf-8"?>
+<file path=ppt/slides/slide19.xml><?xml version="1.0" encoding="utf-8"?>
 <p:sld xmlns:a="http://schemas.openxmlformats.org/drawingml/2006/main" xmlns:r="http://schemas.openxmlformats.org/officeDocument/2006/relationships" xmlns:p="http://schemas.openxmlformats.org/presentationml/2006/main">
   <p:cSld>
     <p:spTree>
@@ -11359,527 +11784,6 @@
   <p:cSld>
     <p:spTree>
       <p:nvGrpSpPr>
-        <p:cNvPr id="1" name="Shape 98"/>
-        <p:cNvGrpSpPr/>
-        <p:nvPr/>
-      </p:nvGrpSpPr>
-      <p:grpSpPr>
-        <a:xfrm>
-          <a:off x="0" y="0"/>
-          <a:ext cx="0" cy="0"/>
-          <a:chOff x="0" y="0"/>
-          <a:chExt cx="0" cy="0"/>
-        </a:xfrm>
-      </p:grpSpPr>
-      <p:sp>
-        <p:nvSpPr>
-          <p:cNvPr id="99" name="Google Shape;99;p18"/>
-          <p:cNvSpPr txBox="1">
-            <a:spLocks noGrp="1"/>
-          </p:cNvSpPr>
-          <p:nvPr>
-            <p:ph type="title"/>
-          </p:nvPr>
-        </p:nvSpPr>
-        <p:spPr>
-          <a:xfrm>
-            <a:off x="462615" y="229374"/>
-            <a:ext cx="8520600" cy="831300"/>
-          </a:xfrm>
-          <a:prstGeom prst="rect">
-            <a:avLst/>
-          </a:prstGeom>
-        </p:spPr>
-        <p:txBody>
-          <a:bodyPr spcFirstLastPara="1" wrap="square" lIns="91425" tIns="91425" rIns="91425" bIns="91425" anchor="b" anchorCtr="0">
-            <a:noAutofit/>
-          </a:bodyPr>
-          <a:lstStyle/>
-          <a:p>
-            <a:pPr marL="0" lvl="0" indent="0" algn="l" rtl="0">
-              <a:spcBef>
-                <a:spcPts val="0"/>
-              </a:spcBef>
-              <a:spcAft>
-                <a:spcPts val="0"/>
-              </a:spcAft>
-              <a:buNone/>
-            </a:pPr>
-            <a:r>
-              <a:rPr lang="uk" sz="3200" dirty="0"/>
-              <a:t>Архітектурна система для проведення експериментального дослідження</a:t>
-            </a:r>
-            <a:endParaRPr sz="3200" dirty="0"/>
-          </a:p>
-        </p:txBody>
-      </p:sp>
-      <p:pic>
-        <p:nvPicPr>
-          <p:cNvPr id="101" name="Google Shape;101;p18"/>
-          <p:cNvPicPr preferRelativeResize="0"/>
-          <p:nvPr/>
-        </p:nvPicPr>
-        <p:blipFill>
-          <a:blip r:embed="rId3">
-            <a:alphaModFix/>
-          </a:blip>
-          <a:stretch>
-            <a:fillRect/>
-          </a:stretch>
-        </p:blipFill>
-        <p:spPr>
-          <a:xfrm>
-            <a:off x="268925" y="4359500"/>
-            <a:ext cx="862250" cy="581750"/>
-          </a:xfrm>
-          <a:prstGeom prst="rect">
-            <a:avLst/>
-          </a:prstGeom>
-          <a:noFill/>
-          <a:ln>
-            <a:noFill/>
-          </a:ln>
-        </p:spPr>
-      </p:pic>
-      <p:sp>
-        <p:nvSpPr>
-          <p:cNvPr id="2" name="TextBox 1">
-            <a:extLst>
-              <a:ext uri="{FF2B5EF4-FFF2-40B4-BE49-F238E27FC236}">
-                <a16:creationId xmlns:a16="http://schemas.microsoft.com/office/drawing/2014/main" id="{12A55726-B906-08A2-C43F-1B00FCF5F354}"/>
-              </a:ext>
-            </a:extLst>
-          </p:cNvPr>
-          <p:cNvSpPr txBox="1"/>
-          <p:nvPr/>
-        </p:nvSpPr>
-        <p:spPr>
-          <a:xfrm>
-            <a:off x="8800011" y="4657148"/>
-            <a:ext cx="284052" cy="307777"/>
-          </a:xfrm>
-          <a:prstGeom prst="rect">
-            <a:avLst/>
-          </a:prstGeom>
-          <a:noFill/>
-        </p:spPr>
-        <p:txBody>
-          <a:bodyPr wrap="none" rtlCol="0">
-            <a:spAutoFit/>
-          </a:bodyPr>
-          <a:lstStyle/>
-          <a:p>
-            <a:fld id="{A35EEF41-5B9E-4186-8855-3C8162DCC2D6}" type="slidenum">
-              <a:rPr lang="uk-UA" smtClean="0"/>
-              <a:t>7</a:t>
-            </a:fld>
-            <a:endParaRPr lang="uk-UA" dirty="0"/>
-          </a:p>
-        </p:txBody>
-      </p:sp>
-      <p:pic>
-        <p:nvPicPr>
-          <p:cNvPr id="3" name="Рисунок 2">
-            <a:extLst>
-              <a:ext uri="{FF2B5EF4-FFF2-40B4-BE49-F238E27FC236}">
-                <a16:creationId xmlns:a16="http://schemas.microsoft.com/office/drawing/2014/main" id="{6354EB57-7AE9-7807-842A-9F1CC22C2A27}"/>
-              </a:ext>
-            </a:extLst>
-          </p:cNvPr>
-          <p:cNvPicPr>
-            <a:picLocks noChangeAspect="1"/>
-          </p:cNvPicPr>
-          <p:nvPr/>
-        </p:nvPicPr>
-        <p:blipFill>
-          <a:blip r:embed="rId4">
-            <a:extLst>
-              <a:ext uri="{28A0092B-C50C-407E-A947-70E740481C1C}">
-                <a14:useLocalDpi xmlns:a14="http://schemas.microsoft.com/office/drawing/2010/main" val="0"/>
-              </a:ext>
-            </a:extLst>
-          </a:blip>
-          <a:srcRect/>
-          <a:stretch>
-            <a:fillRect/>
-          </a:stretch>
-        </p:blipFill>
-        <p:spPr bwMode="auto">
-          <a:xfrm>
-            <a:off x="1387366" y="983515"/>
-            <a:ext cx="6023363" cy="2827788"/>
-          </a:xfrm>
-          <a:prstGeom prst="rect">
-            <a:avLst/>
-          </a:prstGeom>
-          <a:noFill/>
-          <a:ln>
-            <a:noFill/>
-          </a:ln>
-        </p:spPr>
-      </p:pic>
-      <p:sp>
-        <p:nvSpPr>
-          <p:cNvPr id="7" name="TextBox 6">
-            <a:extLst>
-              <a:ext uri="{FF2B5EF4-FFF2-40B4-BE49-F238E27FC236}">
-                <a16:creationId xmlns:a16="http://schemas.microsoft.com/office/drawing/2014/main" id="{3C2D5EA4-2796-0C4B-9E9B-4820F8A3932C}"/>
-              </a:ext>
-            </a:extLst>
-          </p:cNvPr>
-          <p:cNvSpPr txBox="1"/>
-          <p:nvPr/>
-        </p:nvSpPr>
-        <p:spPr>
-          <a:xfrm>
-            <a:off x="1057947" y="3446969"/>
-            <a:ext cx="7925268" cy="1426031"/>
-          </a:xfrm>
-          <a:prstGeom prst="rect">
-            <a:avLst/>
-          </a:prstGeom>
-          <a:noFill/>
-        </p:spPr>
-        <p:txBody>
-          <a:bodyPr wrap="square">
-            <a:spAutoFit/>
-          </a:bodyPr>
-          <a:lstStyle/>
-          <a:p>
-            <a:pPr indent="450215" algn="just">
-              <a:spcAft>
-                <a:spcPts val="1000"/>
-              </a:spcAft>
-              <a:buNone/>
-            </a:pPr>
-            <a:r>
-              <a:rPr lang="uk-UA" sz="1400" noProof="1">
-                <a:effectLst/>
-                <a:latin typeface="Open Sans" panose="020B0606030504020204" pitchFamily="34" charset="0"/>
-                <a:ea typeface="Open Sans" panose="020B0606030504020204" pitchFamily="34" charset="0"/>
-                <a:cs typeface="Open Sans" panose="020B0606030504020204" pitchFamily="34" charset="0"/>
-              </a:rPr>
-              <a:t>Модель складається з двох основних блоків:</a:t>
-            </a:r>
-            <a:endParaRPr lang="uk-UA" sz="1100" noProof="1">
-              <a:effectLst/>
-              <a:latin typeface="Open Sans" panose="020B0606030504020204" pitchFamily="34" charset="0"/>
-              <a:ea typeface="Open Sans" panose="020B0606030504020204" pitchFamily="34" charset="0"/>
-              <a:cs typeface="Open Sans" panose="020B0606030504020204" pitchFamily="34" charset="0"/>
-            </a:endParaRPr>
-          </a:p>
-          <a:p>
-            <a:pPr marL="342900" lvl="0" indent="-342900" algn="just">
-              <a:spcAft>
-                <a:spcPts val="1000"/>
-              </a:spcAft>
-              <a:buSzPts val="1000"/>
-              <a:buFont typeface="Symbol" panose="05050102010706020507" pitchFamily="18" charset="2"/>
-              <a:buChar char=""/>
-              <a:tabLst>
-                <a:tab pos="457200" algn="l"/>
-              </a:tabLst>
-            </a:pPr>
-            <a:r>
-              <a:rPr lang="uk-UA" sz="1400" b="1" noProof="1">
-                <a:effectLst/>
-                <a:latin typeface="Open Sans" panose="020B0606030504020204" pitchFamily="34" charset="0"/>
-                <a:ea typeface="Open Sans" panose="020B0606030504020204" pitchFamily="34" charset="0"/>
-                <a:cs typeface="Open Sans" panose="020B0606030504020204" pitchFamily="34" charset="0"/>
-              </a:rPr>
-              <a:t>Encoder (енкодер):</a:t>
-            </a:r>
-            <a:r>
-              <a:rPr lang="uk-UA" sz="1400" noProof="1">
-                <a:effectLst/>
-                <a:latin typeface="Open Sans" panose="020B0606030504020204" pitchFamily="34" charset="0"/>
-                <a:ea typeface="Open Sans" panose="020B0606030504020204" pitchFamily="34" charset="0"/>
-                <a:cs typeface="Open Sans" panose="020B0606030504020204" pitchFamily="34" charset="0"/>
-              </a:rPr>
-              <a:t> згорткова нейронна мережа, яка обробляє 2D зображення і перетворює його у латентне представлення.</a:t>
-            </a:r>
-            <a:endParaRPr lang="uk-UA" sz="1100" noProof="1">
-              <a:effectLst/>
-              <a:latin typeface="Open Sans" panose="020B0606030504020204" pitchFamily="34" charset="0"/>
-              <a:ea typeface="Open Sans" panose="020B0606030504020204" pitchFamily="34" charset="0"/>
-              <a:cs typeface="Open Sans" panose="020B0606030504020204" pitchFamily="34" charset="0"/>
-            </a:endParaRPr>
-          </a:p>
-          <a:p>
-            <a:pPr marL="342900" lvl="0" indent="-342900" algn="just">
-              <a:spcAft>
-                <a:spcPts val="1000"/>
-              </a:spcAft>
-              <a:buSzPts val="1000"/>
-              <a:buFont typeface="Symbol" panose="05050102010706020507" pitchFamily="18" charset="2"/>
-              <a:buChar char=""/>
-              <a:tabLst>
-                <a:tab pos="457200" algn="l"/>
-              </a:tabLst>
-            </a:pPr>
-            <a:r>
-              <a:rPr lang="uk-UA" sz="1400" b="1" noProof="1">
-                <a:effectLst/>
-                <a:latin typeface="Open Sans" panose="020B0606030504020204" pitchFamily="34" charset="0"/>
-                <a:ea typeface="Open Sans" panose="020B0606030504020204" pitchFamily="34" charset="0"/>
-                <a:cs typeface="Open Sans" panose="020B0606030504020204" pitchFamily="34" charset="0"/>
-              </a:rPr>
-              <a:t>Decoder (декодер):</a:t>
-            </a:r>
-            <a:r>
-              <a:rPr lang="uk-UA" sz="1400" noProof="1">
-                <a:effectLst/>
-                <a:latin typeface="Open Sans" panose="020B0606030504020204" pitchFamily="34" charset="0"/>
-                <a:ea typeface="Open Sans" panose="020B0606030504020204" pitchFamily="34" charset="0"/>
-                <a:cs typeface="Open Sans" panose="020B0606030504020204" pitchFamily="34" charset="0"/>
-              </a:rPr>
-              <a:t> мережа, яка перетворює латентний вектор у воксельну 3D модель.</a:t>
-            </a:r>
-            <a:endParaRPr lang="uk-UA" sz="1100" noProof="1">
-              <a:effectLst/>
-              <a:latin typeface="Open Sans" panose="020B0606030504020204" pitchFamily="34" charset="0"/>
-              <a:ea typeface="Open Sans" panose="020B0606030504020204" pitchFamily="34" charset="0"/>
-              <a:cs typeface="Open Sans" panose="020B0606030504020204" pitchFamily="34" charset="0"/>
-            </a:endParaRPr>
-          </a:p>
-        </p:txBody>
-      </p:sp>
-    </p:spTree>
-  </p:cSld>
-  <p:clrMapOvr>
-    <a:masterClrMapping/>
-  </p:clrMapOvr>
-</p:sld>
-</file>
-
-<file path=ppt/slides/slide8.xml><?xml version="1.0" encoding="utf-8"?>
-<p:sld xmlns:a="http://schemas.openxmlformats.org/drawingml/2006/main" xmlns:r="http://schemas.openxmlformats.org/officeDocument/2006/relationships" xmlns:p="http://schemas.openxmlformats.org/presentationml/2006/main">
-  <p:cSld>
-    <p:spTree>
-      <p:nvGrpSpPr>
-        <p:cNvPr id="1" name="Shape 105"/>
-        <p:cNvGrpSpPr/>
-        <p:nvPr/>
-      </p:nvGrpSpPr>
-      <p:grpSpPr>
-        <a:xfrm>
-          <a:off x="0" y="0"/>
-          <a:ext cx="0" cy="0"/>
-          <a:chOff x="0" y="0"/>
-          <a:chExt cx="0" cy="0"/>
-        </a:xfrm>
-      </p:grpSpPr>
-      <p:sp>
-        <p:nvSpPr>
-          <p:cNvPr id="106" name="Google Shape;106;p19"/>
-          <p:cNvSpPr txBox="1">
-            <a:spLocks noGrp="1"/>
-          </p:cNvSpPr>
-          <p:nvPr>
-            <p:ph type="title"/>
-          </p:nvPr>
-        </p:nvSpPr>
-        <p:spPr>
-          <a:xfrm>
-            <a:off x="311700" y="312400"/>
-            <a:ext cx="8520600" cy="831300"/>
-          </a:xfrm>
-          <a:prstGeom prst="rect">
-            <a:avLst/>
-          </a:prstGeom>
-        </p:spPr>
-        <p:txBody>
-          <a:bodyPr spcFirstLastPara="1" wrap="square" lIns="91425" tIns="91425" rIns="91425" bIns="91425" anchor="b" anchorCtr="0">
-            <a:noAutofit/>
-          </a:bodyPr>
-          <a:lstStyle/>
-          <a:p>
-            <a:pPr marL="0" lvl="0" indent="0" algn="l" rtl="0">
-              <a:spcBef>
-                <a:spcPts val="0"/>
-              </a:spcBef>
-              <a:spcAft>
-                <a:spcPts val="0"/>
-              </a:spcAft>
-              <a:buNone/>
-            </a:pPr>
-            <a:r>
-              <a:rPr lang="uk" sz="3200" dirty="0"/>
-              <a:t>Опис програмного забезпечення, що було використано у дослідженні</a:t>
-            </a:r>
-            <a:endParaRPr sz="3200" dirty="0"/>
-          </a:p>
-        </p:txBody>
-      </p:sp>
-      <p:sp>
-        <p:nvSpPr>
-          <p:cNvPr id="107" name="Google Shape;107;p19"/>
-          <p:cNvSpPr txBox="1">
-            <a:spLocks noGrp="1"/>
-          </p:cNvSpPr>
-          <p:nvPr>
-            <p:ph type="body" idx="1"/>
-          </p:nvPr>
-        </p:nvSpPr>
-        <p:spPr>
-          <a:xfrm>
-            <a:off x="311700" y="1143700"/>
-            <a:ext cx="8750592" cy="1194102"/>
-          </a:xfrm>
-          <a:prstGeom prst="rect">
-            <a:avLst/>
-          </a:prstGeom>
-        </p:spPr>
-        <p:txBody>
-          <a:bodyPr spcFirstLastPara="1" wrap="square" lIns="91425" tIns="91425" rIns="91425" bIns="91425" anchor="t" anchorCtr="0">
-            <a:normAutofit fontScale="92500" lnSpcReduction="10000"/>
-          </a:bodyPr>
-          <a:lstStyle/>
-          <a:p>
-            <a:pPr marL="0" lvl="0" indent="0" algn="l" rtl="0">
-              <a:spcBef>
-                <a:spcPts val="1500"/>
-              </a:spcBef>
-              <a:spcAft>
-                <a:spcPts val="0"/>
-              </a:spcAft>
-              <a:buNone/>
-            </a:pPr>
-            <a:r>
-              <a:rPr lang="uk-UA" noProof="1">
-                <a:solidFill>
-                  <a:srgbClr val="0D0D0D"/>
-                </a:solidFill>
-                <a:highlight>
-                  <a:srgbClr val="FFFFFF"/>
-                </a:highlight>
-              </a:rPr>
-              <a:t>Для реалізації експериментальної моделі було обрано нейронну архітектуру типу VoxNet, що дозволяє перетворювати 2D зображення у воксельне 3D представлення.</a:t>
-            </a:r>
-            <a:endParaRPr lang="uk-UA" noProof="1">
-              <a:latin typeface="Economica" panose="020B0604020202020204" charset="0"/>
-            </a:endParaRPr>
-          </a:p>
-        </p:txBody>
-      </p:sp>
-      <p:pic>
-        <p:nvPicPr>
-          <p:cNvPr id="108" name="Google Shape;108;p19"/>
-          <p:cNvPicPr preferRelativeResize="0"/>
-          <p:nvPr/>
-        </p:nvPicPr>
-        <p:blipFill>
-          <a:blip r:embed="rId3">
-            <a:alphaModFix/>
-          </a:blip>
-          <a:stretch>
-            <a:fillRect/>
-          </a:stretch>
-        </p:blipFill>
-        <p:spPr>
-          <a:xfrm>
-            <a:off x="268925" y="4359500"/>
-            <a:ext cx="862250" cy="581750"/>
-          </a:xfrm>
-          <a:prstGeom prst="rect">
-            <a:avLst/>
-          </a:prstGeom>
-          <a:noFill/>
-          <a:ln>
-            <a:noFill/>
-          </a:ln>
-        </p:spPr>
-      </p:pic>
-      <p:sp>
-        <p:nvSpPr>
-          <p:cNvPr id="2" name="TextBox 1">
-            <a:extLst>
-              <a:ext uri="{FF2B5EF4-FFF2-40B4-BE49-F238E27FC236}">
-                <a16:creationId xmlns:a16="http://schemas.microsoft.com/office/drawing/2014/main" id="{1226AFC1-F793-030A-440F-FC50C3AEF715}"/>
-              </a:ext>
-            </a:extLst>
-          </p:cNvPr>
-          <p:cNvSpPr txBox="1"/>
-          <p:nvPr/>
-        </p:nvSpPr>
-        <p:spPr>
-          <a:xfrm>
-            <a:off x="8778240" y="4606349"/>
-            <a:ext cx="284052" cy="307777"/>
-          </a:xfrm>
-          <a:prstGeom prst="rect">
-            <a:avLst/>
-          </a:prstGeom>
-          <a:noFill/>
-        </p:spPr>
-        <p:txBody>
-          <a:bodyPr wrap="none" rtlCol="0">
-            <a:spAutoFit/>
-          </a:bodyPr>
-          <a:lstStyle/>
-          <a:p>
-            <a:fld id="{A35EEF41-5B9E-4186-8855-3C8162DCC2D6}" type="slidenum">
-              <a:rPr lang="uk-UA" smtClean="0"/>
-              <a:t>8</a:t>
-            </a:fld>
-            <a:endParaRPr lang="uk-UA" dirty="0"/>
-          </a:p>
-        </p:txBody>
-      </p:sp>
-      <p:pic>
-        <p:nvPicPr>
-          <p:cNvPr id="3" name="Рисунок 2" descr="Generated image">
-            <a:extLst>
-              <a:ext uri="{FF2B5EF4-FFF2-40B4-BE49-F238E27FC236}">
-                <a16:creationId xmlns:a16="http://schemas.microsoft.com/office/drawing/2014/main" id="{80461F7D-8904-F0C4-1A67-115A6F232DCE}"/>
-              </a:ext>
-            </a:extLst>
-          </p:cNvPr>
-          <p:cNvPicPr>
-            <a:picLocks noChangeAspect="1"/>
-          </p:cNvPicPr>
-          <p:nvPr/>
-        </p:nvPicPr>
-        <p:blipFill>
-          <a:blip r:embed="rId4">
-            <a:extLst>
-              <a:ext uri="{28A0092B-C50C-407E-A947-70E740481C1C}">
-                <a14:useLocalDpi xmlns:a14="http://schemas.microsoft.com/office/drawing/2010/main" val="0"/>
-              </a:ext>
-            </a:extLst>
-          </a:blip>
-          <a:srcRect/>
-          <a:stretch>
-            <a:fillRect/>
-          </a:stretch>
-        </p:blipFill>
-        <p:spPr bwMode="auto">
-          <a:xfrm>
-            <a:off x="1706245" y="2227652"/>
-            <a:ext cx="5731510" cy="2603448"/>
-          </a:xfrm>
-          <a:prstGeom prst="rect">
-            <a:avLst/>
-          </a:prstGeom>
-          <a:noFill/>
-          <a:ln>
-            <a:noFill/>
-          </a:ln>
-        </p:spPr>
-      </p:pic>
-    </p:spTree>
-  </p:cSld>
-  <p:clrMapOvr>
-    <a:masterClrMapping/>
-  </p:clrMapOvr>
-</p:sld>
-</file>
-
-<file path=ppt/slides/slide9.xml><?xml version="1.0" encoding="utf-8"?>
-<p:sld xmlns:a="http://schemas.openxmlformats.org/drawingml/2006/main" xmlns:r="http://schemas.openxmlformats.org/officeDocument/2006/relationships" xmlns:p="http://schemas.openxmlformats.org/presentationml/2006/main">
-  <p:cSld>
-    <p:spTree>
-      <p:nvGrpSpPr>
         <p:cNvPr id="1" name=""/>
         <p:cNvGrpSpPr/>
         <p:nvPr/>
@@ -12155,7 +12059,7 @@
           <a:p>
             <a:fld id="{A35EEF41-5B9E-4186-8855-3C8162DCC2D6}" type="slidenum">
               <a:rPr lang="uk-UA" smtClean="0"/>
-              <a:t>9</a:t>
+              <a:t>7</a:t>
             </a:fld>
             <a:endParaRPr lang="uk-UA" dirty="0"/>
           </a:p>
@@ -12167,6 +12071,433 @@
         <p14:creationId xmlns:p14="http://schemas.microsoft.com/office/powerpoint/2010/main" val="3038954975"/>
       </p:ext>
     </p:extLst>
+  </p:cSld>
+  <p:clrMapOvr>
+    <a:masterClrMapping/>
+  </p:clrMapOvr>
+</p:sld>
+</file>
+
+<file path=ppt/slides/slide8.xml><?xml version="1.0" encoding="utf-8"?>
+<p:sld xmlns:a="http://schemas.openxmlformats.org/drawingml/2006/main" xmlns:r="http://schemas.openxmlformats.org/officeDocument/2006/relationships" xmlns:p="http://schemas.openxmlformats.org/presentationml/2006/main">
+  <p:cSld>
+    <p:spTree>
+      <p:nvGrpSpPr>
+        <p:cNvPr id="1" name="Shape 112"/>
+        <p:cNvGrpSpPr/>
+        <p:nvPr/>
+      </p:nvGrpSpPr>
+      <p:grpSpPr>
+        <a:xfrm>
+          <a:off x="0" y="0"/>
+          <a:ext cx="0" cy="0"/>
+          <a:chOff x="0" y="0"/>
+          <a:chExt cx="0" cy="0"/>
+        </a:xfrm>
+      </p:grpSpPr>
+      <p:sp>
+        <p:nvSpPr>
+          <p:cNvPr id="113" name="Google Shape;113;p20"/>
+          <p:cNvSpPr txBox="1">
+            <a:spLocks noGrp="1"/>
+          </p:cNvSpPr>
+          <p:nvPr>
+            <p:ph type="title"/>
+          </p:nvPr>
+        </p:nvSpPr>
+        <p:spPr>
+          <a:xfrm>
+            <a:off x="311700" y="-92038"/>
+            <a:ext cx="8520600" cy="831300"/>
+          </a:xfrm>
+          <a:prstGeom prst="rect">
+            <a:avLst/>
+          </a:prstGeom>
+        </p:spPr>
+        <p:txBody>
+          <a:bodyPr spcFirstLastPara="1" wrap="square" lIns="91425" tIns="91425" rIns="91425" bIns="91425" anchor="b" anchorCtr="0">
+            <a:normAutofit/>
+          </a:bodyPr>
+          <a:lstStyle/>
+          <a:p>
+            <a:pPr marL="0" lvl="0" indent="0" algn="l" rtl="0">
+              <a:spcBef>
+                <a:spcPts val="0"/>
+              </a:spcBef>
+              <a:spcAft>
+                <a:spcPts val="0"/>
+              </a:spcAft>
+              <a:buNone/>
+            </a:pPr>
+            <a:r>
+              <a:rPr lang="uk" sz="3200" dirty="0"/>
+              <a:t>Зміст проведеного експерименту</a:t>
+            </a:r>
+            <a:endParaRPr sz="3200" dirty="0"/>
+          </a:p>
+        </p:txBody>
+      </p:sp>
+      <p:sp>
+        <p:nvSpPr>
+          <p:cNvPr id="114" name="Google Shape;114;p20"/>
+          <p:cNvSpPr txBox="1">
+            <a:spLocks noGrp="1"/>
+          </p:cNvSpPr>
+          <p:nvPr>
+            <p:ph type="body" idx="1"/>
+          </p:nvPr>
+        </p:nvSpPr>
+        <p:spPr>
+          <a:xfrm>
+            <a:off x="283725" y="891397"/>
+            <a:ext cx="8520600" cy="2860546"/>
+          </a:xfrm>
+          <a:prstGeom prst="rect">
+            <a:avLst/>
+          </a:prstGeom>
+        </p:spPr>
+        <p:txBody>
+          <a:bodyPr spcFirstLastPara="1" wrap="square" lIns="91425" tIns="91425" rIns="91425" bIns="91425" anchor="t" anchorCtr="0">
+            <a:normAutofit/>
+          </a:bodyPr>
+          <a:lstStyle/>
+          <a:p>
+            <a:pPr>
+              <a:lnSpc>
+                <a:spcPct val="200000"/>
+              </a:lnSpc>
+            </a:pPr>
+            <a:r>
+              <a:rPr lang="uk-UA" noProof="1"/>
+              <a:t>Розроблено прототип на основі VoxNet.</a:t>
+            </a:r>
+          </a:p>
+          <a:p>
+            <a:pPr>
+              <a:lnSpc>
+                <a:spcPct val="200000"/>
+              </a:lnSpc>
+            </a:pPr>
+            <a:r>
+              <a:rPr lang="uk-UA" noProof="1"/>
+              <a:t>Проведено навчання на датасеті ShapeNet.</a:t>
+            </a:r>
+          </a:p>
+          <a:p>
+            <a:pPr>
+              <a:lnSpc>
+                <a:spcPct val="200000"/>
+              </a:lnSpc>
+            </a:pPr>
+            <a:r>
+              <a:rPr lang="uk-UA" noProof="1"/>
+              <a:t>Здійснено оцінку якості за метриками IoU та Chamfer Distance.</a:t>
+            </a:r>
+          </a:p>
+          <a:p>
+            <a:pPr>
+              <a:lnSpc>
+                <a:spcPct val="200000"/>
+              </a:lnSpc>
+            </a:pPr>
+            <a:r>
+              <a:rPr lang="uk-UA" noProof="1"/>
+              <a:t>Візуалізовано реконструкції моделей.</a:t>
+            </a:r>
+            <a:endParaRPr lang="uk-UA" noProof="1">
+              <a:latin typeface="Economica" panose="020B0604020202020204" charset="0"/>
+            </a:endParaRPr>
+          </a:p>
+        </p:txBody>
+      </p:sp>
+      <p:pic>
+        <p:nvPicPr>
+          <p:cNvPr id="115" name="Google Shape;115;p20"/>
+          <p:cNvPicPr preferRelativeResize="0"/>
+          <p:nvPr/>
+        </p:nvPicPr>
+        <p:blipFill>
+          <a:blip r:embed="rId3">
+            <a:alphaModFix/>
+          </a:blip>
+          <a:stretch>
+            <a:fillRect/>
+          </a:stretch>
+        </p:blipFill>
+        <p:spPr>
+          <a:xfrm>
+            <a:off x="268925" y="4359500"/>
+            <a:ext cx="862250" cy="581750"/>
+          </a:xfrm>
+          <a:prstGeom prst="rect">
+            <a:avLst/>
+          </a:prstGeom>
+          <a:noFill/>
+          <a:ln>
+            <a:noFill/>
+          </a:ln>
+        </p:spPr>
+      </p:pic>
+      <p:sp>
+        <p:nvSpPr>
+          <p:cNvPr id="2" name="TextBox 1">
+            <a:extLst>
+              <a:ext uri="{FF2B5EF4-FFF2-40B4-BE49-F238E27FC236}">
+                <a16:creationId xmlns:a16="http://schemas.microsoft.com/office/drawing/2014/main" id="{E8624834-013E-7249-F488-C816A0DA9355}"/>
+              </a:ext>
+            </a:extLst>
+          </p:cNvPr>
+          <p:cNvSpPr txBox="1"/>
+          <p:nvPr/>
+        </p:nvSpPr>
+        <p:spPr>
+          <a:xfrm>
+            <a:off x="8778240" y="4606349"/>
+            <a:ext cx="284052" cy="307777"/>
+          </a:xfrm>
+          <a:prstGeom prst="rect">
+            <a:avLst/>
+          </a:prstGeom>
+          <a:noFill/>
+        </p:spPr>
+        <p:txBody>
+          <a:bodyPr wrap="none" rtlCol="0">
+            <a:spAutoFit/>
+          </a:bodyPr>
+          <a:lstStyle/>
+          <a:p>
+            <a:fld id="{A35EEF41-5B9E-4186-8855-3C8162DCC2D6}" type="slidenum">
+              <a:rPr lang="uk-UA" smtClean="0"/>
+              <a:t>8</a:t>
+            </a:fld>
+            <a:endParaRPr lang="uk-UA" dirty="0"/>
+          </a:p>
+        </p:txBody>
+      </p:sp>
+    </p:spTree>
+  </p:cSld>
+  <p:clrMapOvr>
+    <a:masterClrMapping/>
+  </p:clrMapOvr>
+</p:sld>
+</file>
+
+<file path=ppt/slides/slide9.xml><?xml version="1.0" encoding="utf-8"?>
+<p:sld xmlns:a="http://schemas.openxmlformats.org/drawingml/2006/main" xmlns:r="http://schemas.openxmlformats.org/officeDocument/2006/relationships" xmlns:p="http://schemas.openxmlformats.org/presentationml/2006/main">
+  <p:cSld>
+    <p:spTree>
+      <p:nvGrpSpPr>
+        <p:cNvPr id="1" name="Shape 105"/>
+        <p:cNvGrpSpPr/>
+        <p:nvPr/>
+      </p:nvGrpSpPr>
+      <p:grpSpPr>
+        <a:xfrm>
+          <a:off x="0" y="0"/>
+          <a:ext cx="0" cy="0"/>
+          <a:chOff x="0" y="0"/>
+          <a:chExt cx="0" cy="0"/>
+        </a:xfrm>
+      </p:grpSpPr>
+      <p:sp>
+        <p:nvSpPr>
+          <p:cNvPr id="106" name="Google Shape;106;p19"/>
+          <p:cNvSpPr txBox="1">
+            <a:spLocks noGrp="1"/>
+          </p:cNvSpPr>
+          <p:nvPr>
+            <p:ph type="title"/>
+          </p:nvPr>
+        </p:nvSpPr>
+        <p:spPr>
+          <a:xfrm>
+            <a:off x="311700" y="312400"/>
+            <a:ext cx="8520600" cy="831300"/>
+          </a:xfrm>
+          <a:prstGeom prst="rect">
+            <a:avLst/>
+          </a:prstGeom>
+        </p:spPr>
+        <p:txBody>
+          <a:bodyPr spcFirstLastPara="1" wrap="square" lIns="91425" tIns="91425" rIns="91425" bIns="91425" anchor="b" anchorCtr="0">
+            <a:noAutofit/>
+          </a:bodyPr>
+          <a:lstStyle/>
+          <a:p>
+            <a:pPr marL="0" lvl="0" indent="0" algn="l" rtl="0">
+              <a:spcBef>
+                <a:spcPts val="0"/>
+              </a:spcBef>
+              <a:spcAft>
+                <a:spcPts val="0"/>
+              </a:spcAft>
+              <a:buNone/>
+            </a:pPr>
+            <a:r>
+              <a:rPr lang="uk" sz="3200" dirty="0"/>
+              <a:t>Опис програмного забезпечення, що було використано у дослідженні</a:t>
+            </a:r>
+            <a:endParaRPr sz="3200" dirty="0"/>
+          </a:p>
+        </p:txBody>
+      </p:sp>
+      <p:sp>
+        <p:nvSpPr>
+          <p:cNvPr id="107" name="Google Shape;107;p19"/>
+          <p:cNvSpPr txBox="1">
+            <a:spLocks noGrp="1"/>
+          </p:cNvSpPr>
+          <p:nvPr>
+            <p:ph type="body" idx="1"/>
+          </p:nvPr>
+        </p:nvSpPr>
+        <p:spPr>
+          <a:xfrm>
+            <a:off x="311700" y="1143700"/>
+            <a:ext cx="8750592" cy="1194102"/>
+          </a:xfrm>
+          <a:prstGeom prst="rect">
+            <a:avLst/>
+          </a:prstGeom>
+        </p:spPr>
+        <p:txBody>
+          <a:bodyPr spcFirstLastPara="1" wrap="square" lIns="91425" tIns="91425" rIns="91425" bIns="91425" anchor="t" anchorCtr="0">
+            <a:normAutofit fontScale="92500" lnSpcReduction="10000"/>
+          </a:bodyPr>
+          <a:lstStyle/>
+          <a:p>
+            <a:pPr marL="0" lvl="0" indent="0" algn="l" rtl="0">
+              <a:spcBef>
+                <a:spcPts val="1500"/>
+              </a:spcBef>
+              <a:spcAft>
+                <a:spcPts val="0"/>
+              </a:spcAft>
+              <a:buNone/>
+            </a:pPr>
+            <a:r>
+              <a:rPr lang="uk-UA" noProof="1">
+                <a:solidFill>
+                  <a:srgbClr val="0D0D0D"/>
+                </a:solidFill>
+                <a:highlight>
+                  <a:srgbClr val="FFFFFF"/>
+                </a:highlight>
+              </a:rPr>
+              <a:t>Для реалізації експериментальної моделі було обрано нейронну архітектуру типу VoxNet, що дозволяє перетворювати 2D зображення у воксельне 3D представлення.</a:t>
+            </a:r>
+            <a:endParaRPr lang="uk-UA" noProof="1">
+              <a:latin typeface="Economica" panose="020B0604020202020204" charset="0"/>
+            </a:endParaRPr>
+          </a:p>
+        </p:txBody>
+      </p:sp>
+      <p:pic>
+        <p:nvPicPr>
+          <p:cNvPr id="108" name="Google Shape;108;p19"/>
+          <p:cNvPicPr preferRelativeResize="0"/>
+          <p:nvPr/>
+        </p:nvPicPr>
+        <p:blipFill>
+          <a:blip r:embed="rId3">
+            <a:alphaModFix/>
+          </a:blip>
+          <a:stretch>
+            <a:fillRect/>
+          </a:stretch>
+        </p:blipFill>
+        <p:spPr>
+          <a:xfrm>
+            <a:off x="268925" y="4359500"/>
+            <a:ext cx="862250" cy="581750"/>
+          </a:xfrm>
+          <a:prstGeom prst="rect">
+            <a:avLst/>
+          </a:prstGeom>
+          <a:noFill/>
+          <a:ln>
+            <a:noFill/>
+          </a:ln>
+        </p:spPr>
+      </p:pic>
+      <p:sp>
+        <p:nvSpPr>
+          <p:cNvPr id="2" name="TextBox 1">
+            <a:extLst>
+              <a:ext uri="{FF2B5EF4-FFF2-40B4-BE49-F238E27FC236}">
+                <a16:creationId xmlns:a16="http://schemas.microsoft.com/office/drawing/2014/main" id="{1226AFC1-F793-030A-440F-FC50C3AEF715}"/>
+              </a:ext>
+            </a:extLst>
+          </p:cNvPr>
+          <p:cNvSpPr txBox="1"/>
+          <p:nvPr/>
+        </p:nvSpPr>
+        <p:spPr>
+          <a:xfrm>
+            <a:off x="8778240" y="4606349"/>
+            <a:ext cx="284052" cy="307777"/>
+          </a:xfrm>
+          <a:prstGeom prst="rect">
+            <a:avLst/>
+          </a:prstGeom>
+          <a:noFill/>
+        </p:spPr>
+        <p:txBody>
+          <a:bodyPr wrap="none" rtlCol="0">
+            <a:spAutoFit/>
+          </a:bodyPr>
+          <a:lstStyle/>
+          <a:p>
+            <a:fld id="{A35EEF41-5B9E-4186-8855-3C8162DCC2D6}" type="slidenum">
+              <a:rPr lang="uk-UA" smtClean="0"/>
+              <a:t>9</a:t>
+            </a:fld>
+            <a:endParaRPr lang="uk-UA" dirty="0"/>
+          </a:p>
+        </p:txBody>
+      </p:sp>
+      <p:pic>
+        <p:nvPicPr>
+          <p:cNvPr id="3" name="Рисунок 2" descr="Generated image">
+            <a:extLst>
+              <a:ext uri="{FF2B5EF4-FFF2-40B4-BE49-F238E27FC236}">
+                <a16:creationId xmlns:a16="http://schemas.microsoft.com/office/drawing/2014/main" id="{80461F7D-8904-F0C4-1A67-115A6F232DCE}"/>
+              </a:ext>
+            </a:extLst>
+          </p:cNvPr>
+          <p:cNvPicPr>
+            <a:picLocks noChangeAspect="1"/>
+          </p:cNvPicPr>
+          <p:nvPr/>
+        </p:nvPicPr>
+        <p:blipFill>
+          <a:blip r:embed="rId4">
+            <a:extLst>
+              <a:ext uri="{28A0092B-C50C-407E-A947-70E740481C1C}">
+                <a14:useLocalDpi xmlns:a14="http://schemas.microsoft.com/office/drawing/2010/main" val="0"/>
+              </a:ext>
+            </a:extLst>
+          </a:blip>
+          <a:srcRect/>
+          <a:stretch>
+            <a:fillRect/>
+          </a:stretch>
+        </p:blipFill>
+        <p:spPr bwMode="auto">
+          <a:xfrm>
+            <a:off x="1706245" y="2227652"/>
+            <a:ext cx="5731510" cy="2603448"/>
+          </a:xfrm>
+          <a:prstGeom prst="rect">
+            <a:avLst/>
+          </a:prstGeom>
+          <a:noFill/>
+          <a:ln>
+            <a:noFill/>
+          </a:ln>
+        </p:spPr>
+      </p:pic>
+    </p:spTree>
   </p:cSld>
   <p:clrMapOvr>
     <a:masterClrMapping/>
